--- a/Impacto Banca mexicana por Covid.pptx
+++ b/Impacto Banca mexicana por Covid.pptx
@@ -1,6 +1,6 @@
 
 <file path=ppt/presentation.xml><?xml version="1.0" encoding="utf-8"?>
-<p:presentation xmlns:a="http://schemas.openxmlformats.org/drawingml/2006/main" xmlns:r="http://schemas.openxmlformats.org/officeDocument/2006/relationships" xmlns:p="http://schemas.openxmlformats.org/presentationml/2006/main" strictFirstAndLastChars="0" embedTrueTypeFonts="1" saveSubsetFonts="1" autoCompressPictures="0">
+<p:presentation xmlns:a="http://schemas.openxmlformats.org/drawingml/2006/main" xmlns:r="http://schemas.openxmlformats.org/officeDocument/2006/relationships" xmlns:p="http://schemas.openxmlformats.org/presentationml/2006/main" showSpecialPlsOnTitleSld="0" strictFirstAndLastChars="0" embedTrueTypeFonts="1" saveSubsetFonts="1" autoCompressPictures="0">
   <p:sldMasterIdLst>
     <p:sldMasterId id="2147483659" r:id="rId1"/>
   </p:sldMasterIdLst>
@@ -3264,7 +3264,7 @@
               <a:buSzPts val="1400"/>
               <a:buNone/>
             </a:pPr>
-            <a:endParaRPr/>
+            <a:endParaRPr dirty="0"/>
           </a:p>
         </p:txBody>
       </p:sp>
@@ -5931,7 +5931,7 @@
             </a:lvl9pPr>
           </a:lstStyle>
           <a:p>
-            <a:endParaRPr/>
+            <a:endParaRPr dirty="0"/>
           </a:p>
         </p:txBody>
       </p:sp>
@@ -5947,8 +5947,8 @@
         </p:nvSpPr>
         <p:spPr>
           <a:xfrm>
-            <a:off x="14011916" y="7181930"/>
-            <a:ext cx="907500" cy="606300"/>
+            <a:off x="14445252" y="7647075"/>
+            <a:ext cx="675096" cy="261610"/>
           </a:xfrm>
           <a:prstGeom prst="rect">
             <a:avLst/>
@@ -5981,7 +5981,9 @@
               <a:buNone/>
               <a:defRPr sz="1600" b="0" i="0" u="none" strike="noStrike" cap="none">
                 <a:solidFill>
-                  <a:schemeClr val="dk2"/>
+                  <a:schemeClr val="bg1">
+                    <a:lumMod val="50000"/>
+                  </a:schemeClr>
                 </a:solidFill>
                 <a:latin typeface="Arial"/>
                 <a:ea typeface="Arial"/>
@@ -6199,23 +6201,103 @@
             </a:lvl9pPr>
           </a:lstStyle>
           <a:p>
-            <a:pPr marL="0" lvl="0" indent="0" algn="r" rtl="0">
-              <a:spcBef>
-                <a:spcPts val="0"/>
-              </a:spcBef>
-              <a:spcAft>
-                <a:spcPts val="0"/>
-              </a:spcAft>
-              <a:buNone/>
-            </a:pPr>
             <a:fld id="{00000000-1234-1234-1234-123412341234}" type="slidenum">
-              <a:rPr lang="es-MX"/>
+              <a:rPr lang="es-MX" smtClean="0"/>
+              <a:pPr/>
               <a:t>‹Nº›</a:t>
             </a:fld>
-            <a:endParaRPr/>
+            <a:endParaRPr lang="es-MX" dirty="0"/>
           </a:p>
         </p:txBody>
       </p:sp>
+      <p:sp>
+        <p:nvSpPr>
+          <p:cNvPr id="3" name="CuadroTexto 2">
+            <a:extLst>
+              <a:ext uri="{FF2B5EF4-FFF2-40B4-BE49-F238E27FC236}">
+                <a16:creationId xmlns:a16="http://schemas.microsoft.com/office/drawing/2014/main" id="{49BAC349-CDAF-4BE0-BA6F-B906785D7C7F}"/>
+              </a:ext>
+            </a:extLst>
+          </p:cNvPr>
+          <p:cNvSpPr txBox="1"/>
+          <p:nvPr userDrawn="1"/>
+        </p:nvSpPr>
+        <p:spPr>
+          <a:xfrm>
+            <a:off x="9903085" y="7692807"/>
+            <a:ext cx="4429760" cy="261610"/>
+          </a:xfrm>
+          <a:prstGeom prst="rect">
+            <a:avLst/>
+          </a:prstGeom>
+          <a:noFill/>
+        </p:spPr>
+        <p:txBody>
+          <a:bodyPr wrap="square" rtlCol="0">
+            <a:spAutoFit/>
+          </a:bodyPr>
+          <a:lstStyle/>
+          <a:p>
+            <a:r>
+              <a:rPr lang="es-MX" sz="1050" u="none" dirty="0">
+                <a:solidFill>
+                  <a:schemeClr val="bg1">
+                    <a:lumMod val="50000"/>
+                  </a:schemeClr>
+                </a:solidFill>
+              </a:rPr>
+              <a:t>Saulo Gabriel López Antonio</a:t>
+            </a:r>
+          </a:p>
+        </p:txBody>
+      </p:sp>
+      <p:pic>
+        <p:nvPicPr>
+          <p:cNvPr id="7" name="Google Shape;407;p39">
+            <a:extLst>
+              <a:ext uri="{FF2B5EF4-FFF2-40B4-BE49-F238E27FC236}">
+                <a16:creationId xmlns:a16="http://schemas.microsoft.com/office/drawing/2014/main" id="{2CA02A97-C655-460B-BD4C-000687CD63B8}"/>
+              </a:ext>
+            </a:extLst>
+          </p:cNvPr>
+          <p:cNvPicPr preferRelativeResize="0"/>
+          <p:nvPr userDrawn="1"/>
+        </p:nvPicPr>
+        <p:blipFill rotWithShape="1">
+          <a:blip r:embed="rId2">
+            <a:alphaModFix/>
+            <a:extLst>
+              <a:ext uri="{BEBA8EAE-BF5A-486C-A8C5-ECC9F3942E4B}">
+                <a14:imgProps xmlns:a14="http://schemas.microsoft.com/office/drawing/2010/main">
+                  <a14:imgLayer r:embed="rId3">
+                    <a14:imgEffect>
+                      <a14:colorTemperature colorTemp="5947"/>
+                    </a14:imgEffect>
+                    <a14:imgEffect>
+                      <a14:saturation sat="146000"/>
+                    </a14:imgEffect>
+                  </a14:imgLayer>
+                </a14:imgProps>
+              </a:ext>
+            </a:extLst>
+          </a:blip>
+          <a:srcRect/>
+          <a:stretch/>
+        </p:blipFill>
+        <p:spPr>
+          <a:xfrm>
+            <a:off x="13882890" y="7244215"/>
+            <a:ext cx="899910" cy="591068"/>
+          </a:xfrm>
+          <a:prstGeom prst="rect">
+            <a:avLst/>
+          </a:prstGeom>
+          <a:noFill/>
+          <a:ln>
+            <a:noFill/>
+          </a:ln>
+        </p:spPr>
+      </p:pic>
     </p:spTree>
   </p:cSld>
   <p:clrMapOvr>
@@ -11069,6 +11151,54 @@
               <a:t>‹Nº›</a:t>
             </a:fld>
             <a:endParaRPr/>
+          </a:p>
+        </p:txBody>
+      </p:sp>
+      <p:sp>
+        <p:nvSpPr>
+          <p:cNvPr id="2" name="MSIPCMContentMarking" descr="{&quot;HashCode&quot;:-1431186168,&quot;Placement&quot;:&quot;Footer&quot;}">
+            <a:extLst>
+              <a:ext uri="{FF2B5EF4-FFF2-40B4-BE49-F238E27FC236}">
+                <a16:creationId xmlns:a16="http://schemas.microsoft.com/office/drawing/2014/main" id="{CE5E2E93-13E8-4040-9C08-1EEF460B0AD0}"/>
+              </a:ext>
+            </a:extLst>
+          </p:cNvPr>
+          <p:cNvSpPr txBox="1"/>
+          <p:nvPr userDrawn="1"/>
+        </p:nvSpPr>
+        <p:spPr>
+          <a:xfrm>
+            <a:off x="0" y="7659281"/>
+            <a:ext cx="9369426" cy="262344"/>
+          </a:xfrm>
+          <a:prstGeom prst="rect">
+            <a:avLst/>
+          </a:prstGeom>
+          <a:noFill/>
+        </p:spPr>
+        <p:txBody>
+          <a:bodyPr vert="horz" wrap="square" lIns="0" tIns="0" rIns="0" bIns="0" rtlCol="0" anchor="ctr" anchorCtr="1">
+            <a:spAutoFit/>
+          </a:bodyPr>
+          <a:lstStyle/>
+          <a:p>
+            <a:pPr algn="l">
+              <a:spcBef>
+                <a:spcPts val="0"/>
+              </a:spcBef>
+              <a:spcAft>
+                <a:spcPts val="0"/>
+              </a:spcAft>
+            </a:pPr>
+            <a:r>
+              <a:rPr lang="es-MX" sz="1000">
+                <a:solidFill>
+                  <a:srgbClr val="737373"/>
+                </a:solidFill>
+                <a:latin typeface="Calibri" panose="020F0502020204030204" pitchFamily="34" charset="0"/>
+              </a:rPr>
+              <a:t>El contenido de esta comunicación es confidencial para uso exclusivo del destinatario, por lo que se prohíbe su divulgación total o parcial a cualquier tercero no autorizado.</a:t>
+            </a:r>
           </a:p>
         </p:txBody>
       </p:sp>
@@ -12403,7 +12533,7 @@
         </p:nvSpPr>
         <p:spPr>
           <a:xfrm>
-            <a:off x="5855080" y="3513438"/>
+            <a:off x="3789614" y="5535877"/>
             <a:ext cx="656216" cy="307777"/>
           </a:xfrm>
           <a:prstGeom prst="rect">
@@ -12474,83 +12604,6 @@
           </a:p>
         </p:txBody>
       </p:sp>
-      <p:pic>
-        <p:nvPicPr>
-          <p:cNvPr id="29" name="Google Shape;407;p39">
-            <a:extLst>
-              <a:ext uri="{FF2B5EF4-FFF2-40B4-BE49-F238E27FC236}">
-                <a16:creationId xmlns:a16="http://schemas.microsoft.com/office/drawing/2014/main" id="{709CCA80-D9BE-4713-8763-81C968056E35}"/>
-              </a:ext>
-            </a:extLst>
-          </p:cNvPr>
-          <p:cNvPicPr preferRelativeResize="0"/>
-          <p:nvPr/>
-        </p:nvPicPr>
-        <p:blipFill rotWithShape="1">
-          <a:blip r:embed="rId3">
-            <a:alphaModFix/>
-            <a:extLst>
-              <a:ext uri="{BEBA8EAE-BF5A-486C-A8C5-ECC9F3942E4B}">
-                <a14:imgProps xmlns:a14="http://schemas.microsoft.com/office/drawing/2010/main">
-                  <a14:imgLayer r:embed="rId4">
-                    <a14:imgEffect>
-                      <a14:colorTemperature colorTemp="5947"/>
-                    </a14:imgEffect>
-                    <a14:imgEffect>
-                      <a14:saturation sat="146000"/>
-                    </a14:imgEffect>
-                  </a14:imgLayer>
-                </a14:imgProps>
-              </a:ext>
-            </a:extLst>
-          </a:blip>
-          <a:srcRect/>
-          <a:stretch/>
-        </p:blipFill>
-        <p:spPr>
-          <a:xfrm>
-            <a:off x="14101013" y="7261869"/>
-            <a:ext cx="899910" cy="591068"/>
-          </a:xfrm>
-          <a:prstGeom prst="rect">
-            <a:avLst/>
-          </a:prstGeom>
-          <a:noFill/>
-          <a:ln>
-            <a:noFill/>
-          </a:ln>
-        </p:spPr>
-      </p:pic>
-      <p:pic>
-        <p:nvPicPr>
-          <p:cNvPr id="8" name="Imagen 7">
-            <a:extLst>
-              <a:ext uri="{FF2B5EF4-FFF2-40B4-BE49-F238E27FC236}">
-                <a16:creationId xmlns:a16="http://schemas.microsoft.com/office/drawing/2014/main" id="{4ADD8DDB-EC39-40F8-8D9D-0C2D1E04B48B}"/>
-              </a:ext>
-            </a:extLst>
-          </p:cNvPr>
-          <p:cNvPicPr>
-            <a:picLocks noChangeAspect="1"/>
-          </p:cNvPicPr>
-          <p:nvPr/>
-        </p:nvPicPr>
-        <p:blipFill>
-          <a:blip r:embed="rId5"/>
-          <a:stretch>
-            <a:fillRect/>
-          </a:stretch>
-        </p:blipFill>
-        <p:spPr>
-          <a:xfrm>
-            <a:off x="236309" y="1342145"/>
-            <a:ext cx="4078527" cy="2429253"/>
-          </a:xfrm>
-          <a:prstGeom prst="rect">
-            <a:avLst/>
-          </a:prstGeom>
-        </p:spPr>
-      </p:pic>
       <p:pic>
         <p:nvPicPr>
           <p:cNvPr id="15" name="Imagen 14">
@@ -12566,15 +12619,15 @@
           <p:nvPr/>
         </p:nvPicPr>
         <p:blipFill>
-          <a:blip r:embed="rId6"/>
+          <a:blip r:embed="rId3"/>
           <a:stretch>
             <a:fillRect/>
           </a:stretch>
         </p:blipFill>
         <p:spPr>
           <a:xfrm>
-            <a:off x="236309" y="3754908"/>
-            <a:ext cx="4078527" cy="2579747"/>
+            <a:off x="682607" y="1282525"/>
+            <a:ext cx="5677567" cy="3591171"/>
           </a:xfrm>
           <a:prstGeom prst="rect">
             <a:avLst/>
@@ -12596,7 +12649,7 @@
           <p:nvPr/>
         </p:nvPicPr>
         <p:blipFill>
-          <a:blip r:embed="rId7"/>
+          <a:blip r:embed="rId4"/>
           <a:stretch>
             <a:fillRect/>
           </a:stretch>
@@ -12742,7 +12795,7 @@
         </p:nvSpPr>
         <p:spPr>
           <a:xfrm>
-            <a:off x="4624047" y="2960803"/>
+            <a:off x="2476630" y="4983242"/>
             <a:ext cx="2247900" cy="1261908"/>
           </a:xfrm>
           <a:prstGeom prst="roundRect">
@@ -12794,7 +12847,7 @@
         </p:nvSpPr>
         <p:spPr>
           <a:xfrm>
-            <a:off x="4775200" y="3088862"/>
+            <a:off x="2709734" y="5111301"/>
             <a:ext cx="1969200" cy="738664"/>
           </a:xfrm>
           <a:prstGeom prst="rect">
@@ -12928,53 +12981,6 @@
           </a:p>
         </p:txBody>
       </p:sp>
-      <p:pic>
-        <p:nvPicPr>
-          <p:cNvPr id="29" name="Google Shape;407;p39">
-            <a:extLst>
-              <a:ext uri="{FF2B5EF4-FFF2-40B4-BE49-F238E27FC236}">
-                <a16:creationId xmlns:a16="http://schemas.microsoft.com/office/drawing/2014/main" id="{709CCA80-D9BE-4713-8763-81C968056E35}"/>
-              </a:ext>
-            </a:extLst>
-          </p:cNvPr>
-          <p:cNvPicPr preferRelativeResize="0"/>
-          <p:nvPr/>
-        </p:nvPicPr>
-        <p:blipFill rotWithShape="1">
-          <a:blip r:embed="rId3">
-            <a:alphaModFix/>
-            <a:extLst>
-              <a:ext uri="{BEBA8EAE-BF5A-486C-A8C5-ECC9F3942E4B}">
-                <a14:imgProps xmlns:a14="http://schemas.microsoft.com/office/drawing/2010/main">
-                  <a14:imgLayer r:embed="rId4">
-                    <a14:imgEffect>
-                      <a14:colorTemperature colorTemp="5947"/>
-                    </a14:imgEffect>
-                    <a14:imgEffect>
-                      <a14:saturation sat="146000"/>
-                    </a14:imgEffect>
-                  </a14:imgLayer>
-                </a14:imgProps>
-              </a:ext>
-            </a:extLst>
-          </a:blip>
-          <a:srcRect/>
-          <a:stretch/>
-        </p:blipFill>
-        <p:spPr>
-          <a:xfrm>
-            <a:off x="14101013" y="7261869"/>
-            <a:ext cx="899910" cy="591068"/>
-          </a:xfrm>
-          <a:prstGeom prst="rect">
-            <a:avLst/>
-          </a:prstGeom>
-          <a:noFill/>
-          <a:ln>
-            <a:noFill/>
-          </a:ln>
-        </p:spPr>
-      </p:pic>
       <p:sp>
         <p:nvSpPr>
           <p:cNvPr id="19" name="Rectángulo: esquinas redondeadas 18">
@@ -13319,7 +13325,7 @@
                 <a:cs typeface="Montserrat"/>
                 <a:sym typeface="Montserrat"/>
               </a:rPr>
-              <a:t>, ya que bajaron su captación y cartera, este último posiblemente por su dependencia al turístico</a:t>
+              <a:t>, ya que bajaron su captación y cartera, este último posiblemente por su dependencia al turismo o variables adicionales</a:t>
             </a:r>
           </a:p>
           <a:p>
@@ -13458,7 +13464,7 @@
                 <a:cs typeface="Montserrat"/>
                 <a:sym typeface="Montserrat"/>
               </a:rPr>
-              <a:t>se puede estimar el crecimiento de cartera con el impacto de </a:t>
+              <a:t>Se puede estimar el crecimiento de cartera con el impacto de </a:t>
             </a:r>
             <a:r>
               <a:rPr lang="es-MX" sz="2000" dirty="0" err="1">
@@ -13482,7 +13488,7 @@
                 <a:cs typeface="Montserrat"/>
                 <a:sym typeface="Montserrat"/>
               </a:rPr>
-              <a:t>, pero  son modelos sin tan buenas estimaciones,  por lo deben de haber otras variables que ayuden a  describir mejor el comportamiento como la actividad económica o el índice de desempleo</a:t>
+              <a:t>, pero deben de haber otras variables que ayuden a  describir mejor el comportamiento como la actividad económica, el índice de desempleo, la infraestructura hospitalaria, situación financiera</a:t>
             </a:r>
           </a:p>
           <a:p>
@@ -14203,53 +14209,6 @@
       </p:sp>
       <p:pic>
         <p:nvPicPr>
-          <p:cNvPr id="29" name="Google Shape;407;p39">
-            <a:extLst>
-              <a:ext uri="{FF2B5EF4-FFF2-40B4-BE49-F238E27FC236}">
-                <a16:creationId xmlns:a16="http://schemas.microsoft.com/office/drawing/2014/main" id="{709CCA80-D9BE-4713-8763-81C968056E35}"/>
-              </a:ext>
-            </a:extLst>
-          </p:cNvPr>
-          <p:cNvPicPr preferRelativeResize="0"/>
-          <p:nvPr/>
-        </p:nvPicPr>
-        <p:blipFill rotWithShape="1">
-          <a:blip r:embed="rId3">
-            <a:alphaModFix/>
-            <a:extLst>
-              <a:ext uri="{BEBA8EAE-BF5A-486C-A8C5-ECC9F3942E4B}">
-                <a14:imgProps xmlns:a14="http://schemas.microsoft.com/office/drawing/2010/main">
-                  <a14:imgLayer r:embed="rId4">
-                    <a14:imgEffect>
-                      <a14:colorTemperature colorTemp="5947"/>
-                    </a14:imgEffect>
-                    <a14:imgEffect>
-                      <a14:saturation sat="146000"/>
-                    </a14:imgEffect>
-                  </a14:imgLayer>
-                </a14:imgProps>
-              </a:ext>
-            </a:extLst>
-          </a:blip>
-          <a:srcRect/>
-          <a:stretch/>
-        </p:blipFill>
-        <p:spPr>
-          <a:xfrm>
-            <a:off x="14101013" y="7261869"/>
-            <a:ext cx="899910" cy="591068"/>
-          </a:xfrm>
-          <a:prstGeom prst="rect">
-            <a:avLst/>
-          </a:prstGeom>
-          <a:noFill/>
-          <a:ln>
-            <a:noFill/>
-          </a:ln>
-        </p:spPr>
-      </p:pic>
-      <p:pic>
-        <p:nvPicPr>
           <p:cNvPr id="3" name="Imagen 2">
             <a:extLst>
               <a:ext uri="{FF2B5EF4-FFF2-40B4-BE49-F238E27FC236}">
@@ -14263,7 +14222,7 @@
           <p:nvPr/>
         </p:nvPicPr>
         <p:blipFill rotWithShape="1">
-          <a:blip r:embed="rId5"/>
+          <a:blip r:embed="rId3"/>
           <a:srcRect l="7304" r="8345"/>
           <a:stretch/>
         </p:blipFill>
@@ -14292,7 +14251,7 @@
           <p:nvPr/>
         </p:nvPicPr>
         <p:blipFill rotWithShape="1">
-          <a:blip r:embed="rId6"/>
+          <a:blip r:embed="rId4"/>
           <a:srcRect l="6099" r="8363"/>
           <a:stretch/>
         </p:blipFill>
@@ -14321,7 +14280,7 @@
           <p:nvPr/>
         </p:nvPicPr>
         <p:blipFill rotWithShape="1">
-          <a:blip r:embed="rId7"/>
+          <a:blip r:embed="rId5"/>
           <a:srcRect l="6119" r="8870"/>
           <a:stretch/>
         </p:blipFill>
@@ -14338,7 +14297,7 @@
       <p:sp>
         <p:nvSpPr>
           <p:cNvPr id="15" name="Flecha: hacia abajo 14">
-            <a:hlinkClick r:id="rId8" action="ppaction://hlinksldjump"/>
+            <a:hlinkClick r:id="rId6" action="ppaction://hlinksldjump"/>
             <a:extLst>
               <a:ext uri="{FF2B5EF4-FFF2-40B4-BE49-F238E27FC236}">
                 <a16:creationId xmlns:a16="http://schemas.microsoft.com/office/drawing/2014/main" id="{68A1C275-DB10-4BEC-A355-06FE6A7D7398}"/>
@@ -14549,57 +14508,10 @@
           </a:p>
         </p:txBody>
       </p:sp>
-      <p:pic>
-        <p:nvPicPr>
-          <p:cNvPr id="29" name="Google Shape;407;p39">
-            <a:extLst>
-              <a:ext uri="{FF2B5EF4-FFF2-40B4-BE49-F238E27FC236}">
-                <a16:creationId xmlns:a16="http://schemas.microsoft.com/office/drawing/2014/main" id="{709CCA80-D9BE-4713-8763-81C968056E35}"/>
-              </a:ext>
-            </a:extLst>
-          </p:cNvPr>
-          <p:cNvPicPr preferRelativeResize="0"/>
-          <p:nvPr/>
-        </p:nvPicPr>
-        <p:blipFill rotWithShape="1">
-          <a:blip r:embed="rId3">
-            <a:alphaModFix/>
-            <a:extLst>
-              <a:ext uri="{BEBA8EAE-BF5A-486C-A8C5-ECC9F3942E4B}">
-                <a14:imgProps xmlns:a14="http://schemas.microsoft.com/office/drawing/2010/main">
-                  <a14:imgLayer r:embed="rId4">
-                    <a14:imgEffect>
-                      <a14:colorTemperature colorTemp="5947"/>
-                    </a14:imgEffect>
-                    <a14:imgEffect>
-                      <a14:saturation sat="146000"/>
-                    </a14:imgEffect>
-                  </a14:imgLayer>
-                </a14:imgProps>
-              </a:ext>
-            </a:extLst>
-          </a:blip>
-          <a:srcRect/>
-          <a:stretch/>
-        </p:blipFill>
-        <p:spPr>
-          <a:xfrm>
-            <a:off x="14101013" y="7261869"/>
-            <a:ext cx="899910" cy="591068"/>
-          </a:xfrm>
-          <a:prstGeom prst="rect">
-            <a:avLst/>
-          </a:prstGeom>
-          <a:noFill/>
-          <a:ln>
-            <a:noFill/>
-          </a:ln>
-        </p:spPr>
-      </p:pic>
       <p:sp>
         <p:nvSpPr>
           <p:cNvPr id="15" name="Flecha: hacia abajo 14">
-            <a:hlinkClick r:id="rId5" action="ppaction://hlinksldjump"/>
+            <a:hlinkClick r:id="rId3" action="ppaction://hlinksldjump"/>
             <a:extLst>
               <a:ext uri="{FF2B5EF4-FFF2-40B4-BE49-F238E27FC236}">
                 <a16:creationId xmlns:a16="http://schemas.microsoft.com/office/drawing/2014/main" id="{68A1C275-DB10-4BEC-A355-06FE6A7D7398}"/>
@@ -14664,7 +14576,7 @@
           <p:nvPr/>
         </p:nvPicPr>
         <p:blipFill rotWithShape="1">
-          <a:blip r:embed="rId6"/>
+          <a:blip r:embed="rId4"/>
           <a:srcRect l="7305" r="7422"/>
           <a:stretch/>
         </p:blipFill>
@@ -14693,7 +14605,7 @@
           <p:nvPr/>
         </p:nvPicPr>
         <p:blipFill rotWithShape="1">
-          <a:blip r:embed="rId7"/>
+          <a:blip r:embed="rId5"/>
           <a:srcRect l="6896" r="8739"/>
           <a:stretch/>
         </p:blipFill>
@@ -14722,7 +14634,7 @@
           <p:nvPr/>
         </p:nvPicPr>
         <p:blipFill rotWithShape="1">
-          <a:blip r:embed="rId8"/>
+          <a:blip r:embed="rId6"/>
           <a:srcRect l="6370" r="9265"/>
           <a:stretch/>
         </p:blipFill>
@@ -15402,7 +15314,7 @@
         <p:spPr>
           <a:xfrm>
             <a:off x="570155" y="1880817"/>
-            <a:ext cx="12941450" cy="4380133"/>
+            <a:ext cx="12941450" cy="4740700"/>
           </a:xfrm>
           <a:prstGeom prst="roundRect">
             <a:avLst/>
@@ -15516,8 +15428,8 @@
         </p:nvSpPr>
         <p:spPr>
           <a:xfrm>
-            <a:off x="860611" y="1967356"/>
-            <a:ext cx="12360537" cy="4665600"/>
+            <a:off x="860611" y="1967355"/>
+            <a:ext cx="12360537" cy="5085085"/>
           </a:xfrm>
           <a:prstGeom prst="rect">
             <a:avLst/>
@@ -15560,7 +15472,7 @@
                 <a:cs typeface="Montserrat"/>
                 <a:sym typeface="Montserrat SemiBold"/>
               </a:rPr>
-              <a:t>Determinar que ha</a:t>
+              <a:t>Determinar el imp</a:t>
             </a:r>
             <a:r>
               <a:rPr lang="es-MX" sz="2600" b="1" dirty="0">
@@ -15572,7 +15484,7 @@
                 <a:cs typeface="Montserrat"/>
                 <a:sym typeface="Montserrat SemiBold"/>
               </a:rPr>
-              <a:t> ocasionado en la banca mexicana la pandemia de </a:t>
+              <a:t>acto en la banca mexicana de la pandemia de </a:t>
             </a:r>
             <a:r>
               <a:rPr lang="es-MX" sz="2600" b="1" dirty="0" err="1">
@@ -15596,7 +15508,7 @@
                 <a:cs typeface="Montserrat"/>
                 <a:sym typeface="Montserrat SemiBold"/>
               </a:rPr>
-              <a:t> durante el 2020 y tratar de responder las siguientes preguntas:</a:t>
+              <a:t> durante el 2020 y buscando responder las siguientes preguntas:</a:t>
             </a:r>
             <a:endParaRPr sz="2600" b="1" i="0" u="none" strike="noStrike" cap="none" dirty="0">
               <a:solidFill>
@@ -15676,7 +15588,7 @@
                 <a:cs typeface="Montserrat"/>
                 <a:sym typeface="Montserrat"/>
               </a:rPr>
-              <a:t>¿Cómo cambio la captación y cartera de la banca comercial?</a:t>
+              <a:t>¿Cómo cambió la captación y cartera de la banca comercial?</a:t>
             </a:r>
           </a:p>
           <a:p>
@@ -15794,7 +15706,7 @@
                 <a:cs typeface="Montserrat"/>
                 <a:sym typeface="Montserrat"/>
               </a:rPr>
-              <a:t>¿Que ha pasado en los estados y municipios del país?</a:t>
+              <a:t>¿Qué ha pasado en los estados y municipios del país?</a:t>
             </a:r>
           </a:p>
           <a:p>
@@ -16003,53 +15915,6 @@
           </a:sp3d>
         </p:spPr>
       </p:pic>
-      <p:pic>
-        <p:nvPicPr>
-          <p:cNvPr id="15" name="Google Shape;407;p39">
-            <a:extLst>
-              <a:ext uri="{FF2B5EF4-FFF2-40B4-BE49-F238E27FC236}">
-                <a16:creationId xmlns:a16="http://schemas.microsoft.com/office/drawing/2014/main" id="{BE0CE6F8-BEE3-452A-9BDC-E8222980B026}"/>
-              </a:ext>
-            </a:extLst>
-          </p:cNvPr>
-          <p:cNvPicPr preferRelativeResize="0"/>
-          <p:nvPr/>
-        </p:nvPicPr>
-        <p:blipFill rotWithShape="1">
-          <a:blip r:embed="rId4">
-            <a:alphaModFix/>
-            <a:extLst>
-              <a:ext uri="{BEBA8EAE-BF5A-486C-A8C5-ECC9F3942E4B}">
-                <a14:imgProps xmlns:a14="http://schemas.microsoft.com/office/drawing/2010/main">
-                  <a14:imgLayer r:embed="rId5">
-                    <a14:imgEffect>
-                      <a14:colorTemperature colorTemp="5947"/>
-                    </a14:imgEffect>
-                    <a14:imgEffect>
-                      <a14:saturation sat="146000"/>
-                    </a14:imgEffect>
-                  </a14:imgLayer>
-                </a14:imgProps>
-              </a:ext>
-            </a:extLst>
-          </a:blip>
-          <a:srcRect/>
-          <a:stretch/>
-        </p:blipFill>
-        <p:spPr>
-          <a:xfrm>
-            <a:off x="14101013" y="7237805"/>
-            <a:ext cx="899910" cy="591068"/>
-          </a:xfrm>
-          <a:prstGeom prst="rect">
-            <a:avLst/>
-          </a:prstGeom>
-          <a:noFill/>
-          <a:ln>
-            <a:noFill/>
-          </a:ln>
-        </p:spPr>
-      </p:pic>
       <p:sp>
         <p:nvSpPr>
           <p:cNvPr id="17" name="CuadroTexto 16">
@@ -16064,7 +15929,7 @@
         </p:nvSpPr>
         <p:spPr>
           <a:xfrm>
-            <a:off x="0" y="7148618"/>
+            <a:off x="203109" y="6919503"/>
             <a:ext cx="8661400" cy="769441"/>
           </a:xfrm>
           <a:prstGeom prst="rect">
@@ -16185,7 +16050,7 @@
                 <a:cs typeface="Montserrat"/>
                 <a:sym typeface="Montserrat"/>
               </a:rPr>
-              <a:t>¿Cómo cambio la captación y cartera de la banca comercial?</a:t>
+              <a:t>¿Cómo cambió la captación y cartera de la banca comercial?</a:t>
             </a:r>
           </a:p>
         </p:txBody>
@@ -16501,15 +16366,15 @@
           <a:p>
             <a:r>
               <a:rPr lang="es-MX" dirty="0"/>
-              <a:t>Se observa </a:t>
+              <a:t>Se observa una inflexión a partir de marzo 2020, periodo que </a:t>
             </a:r>
             <a:r>
               <a:rPr lang="es-MX" dirty="0" err="1"/>
-              <a:t>yuna</a:t>
+              <a:t>que</a:t>
             </a:r>
             <a:r>
               <a:rPr lang="es-MX" dirty="0"/>
-              <a:t> inflexión en el período que dio inicio la contingencia por </a:t>
+              <a:t> dio inicio la contingencia por </a:t>
             </a:r>
             <a:r>
               <a:rPr lang="es-MX" dirty="0" err="1"/>
@@ -16517,7 +16382,22 @@
             </a:r>
             <a:r>
               <a:rPr lang="es-MX" dirty="0"/>
-              <a:t>, en tan solo 2 meses se incrementó la misma cantidad que se había tenido en 18 meses (mayo-18 a nov-19) </a:t>
+              <a:t>, en tan solo 2 meses se incrementó </a:t>
+            </a:r>
+            <a:r>
+              <a:rPr lang="es-MX" b="1" dirty="0">
+                <a:solidFill>
+                  <a:schemeClr val="tx1">
+                    <a:lumMod val="95000"/>
+                    <a:lumOff val="5000"/>
+                  </a:schemeClr>
+                </a:solidFill>
+              </a:rPr>
+              <a:t>la captación </a:t>
+            </a:r>
+            <a:r>
+              <a:rPr lang="es-MX" dirty="0"/>
+              <a:t>que se había tenido en 18 meses (mayo-18 a nov-19) </a:t>
             </a:r>
           </a:p>
           <a:p>
@@ -16555,7 +16435,26 @@
           <a:p>
             <a:r>
               <a:rPr lang="es-MX" dirty="0"/>
-              <a:t>Por su parte la cartera tuvo una caída de $33 mil millones de pesos, algo que no se había visto en los últimos 4 años, siendo casi equivalente al crecimiento que se tuvo durante 2019 </a:t>
+              <a:t>Por su parte la cartera tuvo una caída de $33 mil millones de pesos</a:t>
+            </a:r>
+            <a:r>
+              <a:rPr lang="es-MX" b="1" dirty="0"/>
+              <a:t> </a:t>
+            </a:r>
+            <a:r>
+              <a:rPr lang="es-MX" b="1" dirty="0">
+                <a:solidFill>
+                  <a:schemeClr val="tx1">
+                    <a:lumMod val="95000"/>
+                    <a:lumOff val="5000"/>
+                  </a:schemeClr>
+                </a:solidFill>
+              </a:rPr>
+              <a:t>de marzo a julio del 2020, quedando al mismo nivel observado a principios de 2019, </a:t>
+            </a:r>
+            <a:r>
+              <a:rPr lang="es-MX" dirty="0"/>
+              <a:t>por lo que se rompe la tendencia creciente desde 2016</a:t>
             </a:r>
           </a:p>
         </p:txBody>
@@ -16594,57 +16493,10 @@
           </a:ln>
         </p:spPr>
       </p:cxnSp>
-      <p:pic>
-        <p:nvPicPr>
-          <p:cNvPr id="29" name="Google Shape;407;p39">
-            <a:extLst>
-              <a:ext uri="{FF2B5EF4-FFF2-40B4-BE49-F238E27FC236}">
-                <a16:creationId xmlns:a16="http://schemas.microsoft.com/office/drawing/2014/main" id="{709CCA80-D9BE-4713-8763-81C968056E35}"/>
-              </a:ext>
-            </a:extLst>
-          </p:cNvPr>
-          <p:cNvPicPr preferRelativeResize="0"/>
-          <p:nvPr/>
-        </p:nvPicPr>
-        <p:blipFill rotWithShape="1">
-          <a:blip r:embed="rId5">
-            <a:alphaModFix/>
-            <a:extLst>
-              <a:ext uri="{BEBA8EAE-BF5A-486C-A8C5-ECC9F3942E4B}">
-                <a14:imgProps xmlns:a14="http://schemas.microsoft.com/office/drawing/2010/main">
-                  <a14:imgLayer r:embed="rId6">
-                    <a14:imgEffect>
-                      <a14:colorTemperature colorTemp="5947"/>
-                    </a14:imgEffect>
-                    <a14:imgEffect>
-                      <a14:saturation sat="146000"/>
-                    </a14:imgEffect>
-                  </a14:imgLayer>
-                </a14:imgProps>
-              </a:ext>
-            </a:extLst>
-          </a:blip>
-          <a:srcRect/>
-          <a:stretch/>
-        </p:blipFill>
-        <p:spPr>
-          <a:xfrm>
-            <a:off x="14101013" y="7261869"/>
-            <a:ext cx="899910" cy="591068"/>
-          </a:xfrm>
-          <a:prstGeom prst="rect">
-            <a:avLst/>
-          </a:prstGeom>
-          <a:noFill/>
-          <a:ln>
-            <a:noFill/>
-          </a:ln>
-        </p:spPr>
-      </p:pic>
       <p:sp>
         <p:nvSpPr>
           <p:cNvPr id="16" name="Rectángulo: esquinas redondeadas 15">
-            <a:hlinkClick r:id="rId7" action="ppaction://hlinksldjump"/>
+            <a:hlinkClick r:id="rId5" action="ppaction://hlinksldjump"/>
             <a:extLst>
               <a:ext uri="{FF2B5EF4-FFF2-40B4-BE49-F238E27FC236}">
                 <a16:creationId xmlns:a16="http://schemas.microsoft.com/office/drawing/2014/main" id="{E2CF3A13-C763-4BFB-BFF3-6920CA873E90}"/>
@@ -16700,7 +16552,7 @@
       <p:sp>
         <p:nvSpPr>
           <p:cNvPr id="31" name="Rectángulo: esquinas redondeadas 30">
-            <a:hlinkClick r:id="rId8" action="ppaction://hlinksldjump"/>
+            <a:hlinkClick r:id="rId6" action="ppaction://hlinksldjump"/>
             <a:extLst>
               <a:ext uri="{FF2B5EF4-FFF2-40B4-BE49-F238E27FC236}">
                 <a16:creationId xmlns:a16="http://schemas.microsoft.com/office/drawing/2014/main" id="{4DFCF00B-A7BF-47CF-BE4E-A7EC52A4BDA8}"/>
@@ -16968,7 +16820,7 @@
               <a:rPr lang="es-MX" dirty="0">
                 <a:latin typeface="Montserrat" panose="020B0604020202020204" charset="0"/>
               </a:rPr>
-              <a:t>Se destaca que la mayoría de los bancos que están en top 10 son los que tuvieron el mayor crecimiento de captación</a:t>
+              <a:t>La mayoría de los bancos que están en top 10 son los que tuvieron el mayor crecimiento de captación</a:t>
             </a:r>
           </a:p>
           <a:p>
@@ -16985,53 +16837,6 @@
           </a:p>
         </p:txBody>
       </p:sp>
-      <p:pic>
-        <p:nvPicPr>
-          <p:cNvPr id="29" name="Google Shape;407;p39">
-            <a:extLst>
-              <a:ext uri="{FF2B5EF4-FFF2-40B4-BE49-F238E27FC236}">
-                <a16:creationId xmlns:a16="http://schemas.microsoft.com/office/drawing/2014/main" id="{709CCA80-D9BE-4713-8763-81C968056E35}"/>
-              </a:ext>
-            </a:extLst>
-          </p:cNvPr>
-          <p:cNvPicPr preferRelativeResize="0"/>
-          <p:nvPr/>
-        </p:nvPicPr>
-        <p:blipFill rotWithShape="1">
-          <a:blip r:embed="rId3">
-            <a:alphaModFix/>
-            <a:extLst>
-              <a:ext uri="{BEBA8EAE-BF5A-486C-A8C5-ECC9F3942E4B}">
-                <a14:imgProps xmlns:a14="http://schemas.microsoft.com/office/drawing/2010/main">
-                  <a14:imgLayer r:embed="rId4">
-                    <a14:imgEffect>
-                      <a14:colorTemperature colorTemp="5947"/>
-                    </a14:imgEffect>
-                    <a14:imgEffect>
-                      <a14:saturation sat="146000"/>
-                    </a14:imgEffect>
-                  </a14:imgLayer>
-                </a14:imgProps>
-              </a:ext>
-            </a:extLst>
-          </a:blip>
-          <a:srcRect/>
-          <a:stretch/>
-        </p:blipFill>
-        <p:spPr>
-          <a:xfrm>
-            <a:off x="14101013" y="7261869"/>
-            <a:ext cx="899910" cy="591068"/>
-          </a:xfrm>
-          <a:prstGeom prst="rect">
-            <a:avLst/>
-          </a:prstGeom>
-          <a:noFill/>
-          <a:ln>
-            <a:noFill/>
-          </a:ln>
-        </p:spPr>
-      </p:pic>
       <p:pic>
         <p:nvPicPr>
           <p:cNvPr id="21" name="Imagen 20">
@@ -17047,7 +16852,7 @@
           <p:nvPr/>
         </p:nvPicPr>
         <p:blipFill>
-          <a:blip r:embed="rId5"/>
+          <a:blip r:embed="rId3"/>
           <a:stretch>
             <a:fillRect/>
           </a:stretch>
@@ -17077,7 +16882,7 @@
           <p:nvPr/>
         </p:nvPicPr>
         <p:blipFill>
-          <a:blip r:embed="rId6"/>
+          <a:blip r:embed="rId4"/>
           <a:stretch>
             <a:fillRect/>
           </a:stretch>
@@ -17107,7 +16912,7 @@
           <p:nvPr/>
         </p:nvPicPr>
         <p:blipFill>
-          <a:blip r:embed="rId7"/>
+          <a:blip r:embed="rId5"/>
           <a:stretch>
             <a:fillRect/>
           </a:stretch>
@@ -17137,7 +16942,7 @@
           <p:nvPr/>
         </p:nvPicPr>
         <p:blipFill>
-          <a:blip r:embed="rId8"/>
+          <a:blip r:embed="rId6"/>
           <a:stretch>
             <a:fillRect/>
           </a:stretch>
@@ -17391,7 +17196,7 @@
         <p:spPr>
           <a:xfrm>
             <a:off x="764713" y="6853221"/>
-            <a:ext cx="14141912" cy="954107"/>
+            <a:ext cx="14141912" cy="738664"/>
           </a:xfrm>
           <a:prstGeom prst="rect">
             <a:avLst/>
@@ -17412,7 +17217,7 @@
               <a:rPr lang="es-MX" dirty="0">
                 <a:latin typeface="Montserrat" panose="020B0604020202020204" charset="0"/>
               </a:rPr>
-              <a:t>De igual forma que la captación pocos la concentran la cartera siendo  Bancomer, Banamex y Banorte los más destacados</a:t>
+              <a:t>Bancomer, Banamex y Banorte también  son los bancos con mayor cartera de crédito </a:t>
             </a:r>
           </a:p>
           <a:p>
@@ -17436,66 +17241,35 @@
               <a:rPr lang="es-MX" dirty="0">
                 <a:latin typeface="Montserrat" panose="020B0604020202020204" charset="0"/>
               </a:rPr>
-              <a:t>Banco Azteca y Banorte fueron los que tuvieron más crecimiento de cartera, siendo estos dos los principales beneficiados, ya que aumentaron</a:t>
+              <a:t>Banco Azteca y Banorte tuvieron más crecimiento de cartera</a:t>
             </a:r>
-          </a:p>
-          <a:p>
+            <a:r>
+              <a:rPr lang="es-MX" b="1" dirty="0">
+                <a:solidFill>
+                  <a:schemeClr val="tx1"/>
+                </a:solidFill>
+                <a:latin typeface="Montserrat" panose="020B0604020202020204" charset="0"/>
+              </a:rPr>
+              <a:t>, así como</a:t>
+            </a:r>
+            <a:r>
+              <a:rPr lang="es-MX" dirty="0">
+                <a:solidFill>
+                  <a:srgbClr val="FF0000"/>
+                </a:solidFill>
+                <a:latin typeface="Montserrat" panose="020B0604020202020204" charset="0"/>
+              </a:rPr>
+              <a:t> </a:t>
+            </a:r>
             <a:r>
               <a:rPr lang="es-MX" dirty="0">
                 <a:latin typeface="Montserrat" panose="020B0604020202020204" charset="0"/>
               </a:rPr>
-              <a:t>      también en captación</a:t>
+              <a:t>en captación</a:t>
             </a:r>
           </a:p>
         </p:txBody>
       </p:sp>
-      <p:pic>
-        <p:nvPicPr>
-          <p:cNvPr id="29" name="Google Shape;407;p39">
-            <a:extLst>
-              <a:ext uri="{FF2B5EF4-FFF2-40B4-BE49-F238E27FC236}">
-                <a16:creationId xmlns:a16="http://schemas.microsoft.com/office/drawing/2014/main" id="{709CCA80-D9BE-4713-8763-81C968056E35}"/>
-              </a:ext>
-            </a:extLst>
-          </p:cNvPr>
-          <p:cNvPicPr preferRelativeResize="0"/>
-          <p:nvPr/>
-        </p:nvPicPr>
-        <p:blipFill rotWithShape="1">
-          <a:blip r:embed="rId3">
-            <a:alphaModFix/>
-            <a:extLst>
-              <a:ext uri="{BEBA8EAE-BF5A-486C-A8C5-ECC9F3942E4B}">
-                <a14:imgProps xmlns:a14="http://schemas.microsoft.com/office/drawing/2010/main">
-                  <a14:imgLayer r:embed="rId4">
-                    <a14:imgEffect>
-                      <a14:colorTemperature colorTemp="5947"/>
-                    </a14:imgEffect>
-                    <a14:imgEffect>
-                      <a14:saturation sat="146000"/>
-                    </a14:imgEffect>
-                  </a14:imgLayer>
-                </a14:imgProps>
-              </a:ext>
-            </a:extLst>
-          </a:blip>
-          <a:srcRect/>
-          <a:stretch/>
-        </p:blipFill>
-        <p:spPr>
-          <a:xfrm>
-            <a:off x="14101013" y="7261869"/>
-            <a:ext cx="899910" cy="591068"/>
-          </a:xfrm>
-          <a:prstGeom prst="rect">
-            <a:avLst/>
-          </a:prstGeom>
-          <a:noFill/>
-          <a:ln>
-            <a:noFill/>
-          </a:ln>
-        </p:spPr>
-      </p:pic>
       <p:pic>
         <p:nvPicPr>
           <p:cNvPr id="3" name="Imagen 2">
@@ -17511,7 +17285,7 @@
           <p:nvPr/>
         </p:nvPicPr>
         <p:blipFill>
-          <a:blip r:embed="rId5"/>
+          <a:blip r:embed="rId3"/>
           <a:stretch>
             <a:fillRect/>
           </a:stretch>
@@ -17541,7 +17315,7 @@
           <p:nvPr/>
         </p:nvPicPr>
         <p:blipFill>
-          <a:blip r:embed="rId6"/>
+          <a:blip r:embed="rId4"/>
           <a:stretch>
             <a:fillRect/>
           </a:stretch>
@@ -17571,7 +17345,7 @@
           <p:nvPr/>
         </p:nvPicPr>
         <p:blipFill>
-          <a:blip r:embed="rId7"/>
+          <a:blip r:embed="rId5"/>
           <a:stretch>
             <a:fillRect/>
           </a:stretch>
@@ -17601,7 +17375,7 @@
           <p:nvPr/>
         </p:nvPicPr>
         <p:blipFill>
-          <a:blip r:embed="rId8"/>
+          <a:blip r:embed="rId6"/>
           <a:stretch>
             <a:fillRect/>
           </a:stretch>
@@ -18244,53 +18018,6 @@
       </p:sp>
       <p:pic>
         <p:nvPicPr>
-          <p:cNvPr id="29" name="Google Shape;407;p39">
-            <a:extLst>
-              <a:ext uri="{FF2B5EF4-FFF2-40B4-BE49-F238E27FC236}">
-                <a16:creationId xmlns:a16="http://schemas.microsoft.com/office/drawing/2014/main" id="{709CCA80-D9BE-4713-8763-81C968056E35}"/>
-              </a:ext>
-            </a:extLst>
-          </p:cNvPr>
-          <p:cNvPicPr preferRelativeResize="0"/>
-          <p:nvPr/>
-        </p:nvPicPr>
-        <p:blipFill rotWithShape="1">
-          <a:blip r:embed="rId10">
-            <a:alphaModFix/>
-            <a:extLst>
-              <a:ext uri="{BEBA8EAE-BF5A-486C-A8C5-ECC9F3942E4B}">
-                <a14:imgProps xmlns:a14="http://schemas.microsoft.com/office/drawing/2010/main">
-                  <a14:imgLayer r:embed="rId11">
-                    <a14:imgEffect>
-                      <a14:colorTemperature colorTemp="5947"/>
-                    </a14:imgEffect>
-                    <a14:imgEffect>
-                      <a14:saturation sat="146000"/>
-                    </a14:imgEffect>
-                  </a14:imgLayer>
-                </a14:imgProps>
-              </a:ext>
-            </a:extLst>
-          </a:blip>
-          <a:srcRect/>
-          <a:stretch/>
-        </p:blipFill>
-        <p:spPr>
-          <a:xfrm>
-            <a:off x="14101013" y="7261869"/>
-            <a:ext cx="899910" cy="591068"/>
-          </a:xfrm>
-          <a:prstGeom prst="rect">
-            <a:avLst/>
-          </a:prstGeom>
-          <a:noFill/>
-          <a:ln>
-            <a:noFill/>
-          </a:ln>
-        </p:spPr>
-      </p:pic>
-      <p:pic>
-        <p:nvPicPr>
           <p:cNvPr id="8" name="Imagen 7">
             <a:extLst>
               <a:ext uri="{FF2B5EF4-FFF2-40B4-BE49-F238E27FC236}">
@@ -18304,7 +18031,7 @@
           <p:nvPr/>
         </p:nvPicPr>
         <p:blipFill rotWithShape="1">
-          <a:blip r:embed="rId12"/>
+          <a:blip r:embed="rId10"/>
           <a:srcRect b="3339"/>
           <a:stretch/>
         </p:blipFill>
@@ -18410,7 +18137,7 @@
           <p:nvPr/>
         </p:nvPicPr>
         <p:blipFill>
-          <a:blip r:embed="rId13"/>
+          <a:blip r:embed="rId11"/>
           <a:stretch>
             <a:fillRect/>
           </a:stretch>
@@ -18475,7 +18202,7 @@
       <p:sp>
         <p:nvSpPr>
           <p:cNvPr id="53" name="Rectángulo: esquinas redondeadas 52">
-            <a:hlinkClick r:id="rId14" action="ppaction://hlinksldjump"/>
+            <a:hlinkClick r:id="rId12" action="ppaction://hlinksldjump"/>
             <a:extLst>
               <a:ext uri="{FF2B5EF4-FFF2-40B4-BE49-F238E27FC236}">
                 <a16:creationId xmlns:a16="http://schemas.microsoft.com/office/drawing/2014/main" id="{67FC66E2-5350-49F8-9300-8974E270CAA8}"/>
@@ -19516,53 +19243,6 @@
       </p:sp>
       <p:pic>
         <p:nvPicPr>
-          <p:cNvPr id="29" name="Google Shape;407;p39">
-            <a:extLst>
-              <a:ext uri="{FF2B5EF4-FFF2-40B4-BE49-F238E27FC236}">
-                <a16:creationId xmlns:a16="http://schemas.microsoft.com/office/drawing/2014/main" id="{709CCA80-D9BE-4713-8763-81C968056E35}"/>
-              </a:ext>
-            </a:extLst>
-          </p:cNvPr>
-          <p:cNvPicPr preferRelativeResize="0"/>
-          <p:nvPr/>
-        </p:nvPicPr>
-        <p:blipFill rotWithShape="1">
-          <a:blip r:embed="rId10">
-            <a:alphaModFix/>
-            <a:extLst>
-              <a:ext uri="{BEBA8EAE-BF5A-486C-A8C5-ECC9F3942E4B}">
-                <a14:imgProps xmlns:a14="http://schemas.microsoft.com/office/drawing/2010/main">
-                  <a14:imgLayer r:embed="rId11">
-                    <a14:imgEffect>
-                      <a14:colorTemperature colorTemp="5947"/>
-                    </a14:imgEffect>
-                    <a14:imgEffect>
-                      <a14:saturation sat="146000"/>
-                    </a14:imgEffect>
-                  </a14:imgLayer>
-                </a14:imgProps>
-              </a:ext>
-            </a:extLst>
-          </a:blip>
-          <a:srcRect/>
-          <a:stretch/>
-        </p:blipFill>
-        <p:spPr>
-          <a:xfrm>
-            <a:off x="14101013" y="7261869"/>
-            <a:ext cx="899910" cy="591068"/>
-          </a:xfrm>
-          <a:prstGeom prst="rect">
-            <a:avLst/>
-          </a:prstGeom>
-          <a:noFill/>
-          <a:ln>
-            <a:noFill/>
-          </a:ln>
-        </p:spPr>
-      </p:pic>
-      <p:pic>
-        <p:nvPicPr>
           <p:cNvPr id="32" name="Imagen 31">
             <a:extLst>
               <a:ext uri="{FF2B5EF4-FFF2-40B4-BE49-F238E27FC236}">
@@ -19576,7 +19256,7 @@
           <p:nvPr/>
         </p:nvPicPr>
         <p:blipFill>
-          <a:blip r:embed="rId12"/>
+          <a:blip r:embed="rId10"/>
           <a:stretch>
             <a:fillRect/>
           </a:stretch>
@@ -19653,7 +19333,7 @@
           <p:nvPr/>
         </p:nvPicPr>
         <p:blipFill>
-          <a:blip r:embed="rId13"/>
+          <a:blip r:embed="rId11"/>
           <a:stretch>
             <a:fillRect/>
           </a:stretch>
@@ -19724,7 +19404,7 @@
           <p:nvPr/>
         </p:nvPicPr>
         <p:blipFill>
-          <a:blip r:embed="rId14"/>
+          <a:blip r:embed="rId12"/>
           <a:stretch>
             <a:fillRect/>
           </a:stretch>
@@ -19742,7 +19422,7 @@
       <p:sp>
         <p:nvSpPr>
           <p:cNvPr id="47" name="Rectángulo: esquinas redondeadas 46">
-            <a:hlinkClick r:id="rId15" action="ppaction://hlinksldjump"/>
+            <a:hlinkClick r:id="rId13" action="ppaction://hlinksldjump"/>
             <a:extLst>
               <a:ext uri="{FF2B5EF4-FFF2-40B4-BE49-F238E27FC236}">
                 <a16:creationId xmlns:a16="http://schemas.microsoft.com/office/drawing/2014/main" id="{7B3FF06E-1927-4690-BEBC-FBCB6E2DD57B}"/>
@@ -20184,7 +19864,7 @@
         </p:nvSpPr>
         <p:spPr>
           <a:xfrm>
-            <a:off x="-25" y="7002150"/>
+            <a:off x="14129" y="6988925"/>
             <a:ext cx="15122400" cy="932700"/>
           </a:xfrm>
           <a:prstGeom prst="rect">
@@ -20247,7 +19927,7 @@
         </p:blipFill>
         <p:spPr>
           <a:xfrm>
-            <a:off x="13599952" y="7183473"/>
+            <a:off x="13718286" y="7197237"/>
             <a:ext cx="970174" cy="516076"/>
           </a:xfrm>
           <a:prstGeom prst="rect">
@@ -20485,7 +20165,7 @@
               <a:rPr lang="es-MX" dirty="0">
                 <a:latin typeface="Montserrat" panose="020B0604020202020204" charset="0"/>
               </a:rPr>
-              <a:t>Las dos variables que nos interesa solo el crecimiento de la cartera tiene una correlación cercana a 1 con variables de </a:t>
+              <a:t>Solo el crecimiento de la cartera tiene una correlación cercana a 1 con variables de </a:t>
             </a:r>
             <a:r>
               <a:rPr lang="es-MX" dirty="0" err="1">
@@ -20890,58 +20570,11 @@
               <a:rPr lang="es-MX" dirty="0">
                 <a:latin typeface="Montserrat" panose="020B0604020202020204" charset="0"/>
               </a:rPr>
-              <a:t>La curva RUC nos dice que es un test aceptable, sin embargo si hay un margen del 32% de error</a:t>
+              <a:t>La curva ROC nos dice que es un test aceptable, sin embargo si hay un margen del 32% de error</a:t>
             </a:r>
           </a:p>
         </p:txBody>
       </p:sp>
-      <p:pic>
-        <p:nvPicPr>
-          <p:cNvPr id="29" name="Google Shape;407;p39">
-            <a:extLst>
-              <a:ext uri="{FF2B5EF4-FFF2-40B4-BE49-F238E27FC236}">
-                <a16:creationId xmlns:a16="http://schemas.microsoft.com/office/drawing/2014/main" id="{709CCA80-D9BE-4713-8763-81C968056E35}"/>
-              </a:ext>
-            </a:extLst>
-          </p:cNvPr>
-          <p:cNvPicPr preferRelativeResize="0"/>
-          <p:nvPr/>
-        </p:nvPicPr>
-        <p:blipFill rotWithShape="1">
-          <a:blip r:embed="rId4">
-            <a:alphaModFix/>
-            <a:extLst>
-              <a:ext uri="{BEBA8EAE-BF5A-486C-A8C5-ECC9F3942E4B}">
-                <a14:imgProps xmlns:a14="http://schemas.microsoft.com/office/drawing/2010/main">
-                  <a14:imgLayer r:embed="rId5">
-                    <a14:imgEffect>
-                      <a14:colorTemperature colorTemp="5947"/>
-                    </a14:imgEffect>
-                    <a14:imgEffect>
-                      <a14:saturation sat="146000"/>
-                    </a14:imgEffect>
-                  </a14:imgLayer>
-                </a14:imgProps>
-              </a:ext>
-            </a:extLst>
-          </a:blip>
-          <a:srcRect/>
-          <a:stretch/>
-        </p:blipFill>
-        <p:spPr>
-          <a:xfrm>
-            <a:off x="14101013" y="7261869"/>
-            <a:ext cx="899910" cy="591068"/>
-          </a:xfrm>
-          <a:prstGeom prst="rect">
-            <a:avLst/>
-          </a:prstGeom>
-          <a:noFill/>
-          <a:ln>
-            <a:noFill/>
-          </a:ln>
-        </p:spPr>
-      </p:pic>
       <p:pic>
         <p:nvPicPr>
           <p:cNvPr id="6" name="Imagen 5">
@@ -20957,7 +20590,7 @@
           <p:nvPr/>
         </p:nvPicPr>
         <p:blipFill>
-          <a:blip r:embed="rId6"/>
+          <a:blip r:embed="rId4"/>
           <a:stretch>
             <a:fillRect/>
           </a:stretch>
@@ -21172,7 +20805,7 @@
         </p:nvSpPr>
         <p:spPr>
           <a:xfrm>
-            <a:off x="-15864" y="7655891"/>
+            <a:off x="70308" y="7547465"/>
             <a:ext cx="8661400" cy="469359"/>
           </a:xfrm>
           <a:prstGeom prst="rect">
@@ -21213,6 +20846,125 @@
                 <a:schemeClr val="tx1"/>
               </a:solidFill>
             </a:endParaRPr>
+          </a:p>
+        </p:txBody>
+      </p:sp>
+      <p:sp>
+        <p:nvSpPr>
+          <p:cNvPr id="12" name="CuadroTexto 11">
+            <a:extLst>
+              <a:ext uri="{FF2B5EF4-FFF2-40B4-BE49-F238E27FC236}">
+                <a16:creationId xmlns:a16="http://schemas.microsoft.com/office/drawing/2014/main" id="{E32F3350-B6F9-4873-80DE-54C7C006C7DD}"/>
+              </a:ext>
+            </a:extLst>
+          </p:cNvPr>
+          <p:cNvSpPr txBox="1"/>
+          <p:nvPr/>
+        </p:nvSpPr>
+        <p:spPr>
+          <a:xfrm>
+            <a:off x="2277081" y="8237262"/>
+            <a:ext cx="6315592" cy="1384995"/>
+          </a:xfrm>
+          <a:prstGeom prst="rect">
+            <a:avLst/>
+          </a:prstGeom>
+          <a:solidFill>
+            <a:schemeClr val="accent4">
+              <a:lumMod val="20000"/>
+              <a:lumOff val="80000"/>
+            </a:schemeClr>
+          </a:solidFill>
+        </p:spPr>
+        <p:txBody>
+          <a:bodyPr wrap="square" rtlCol="0">
+            <a:spAutoFit/>
+          </a:bodyPr>
+          <a:lstStyle/>
+          <a:p>
+            <a:r>
+              <a:rPr lang="es-MX" dirty="0">
+                <a:highlight>
+                  <a:srgbClr val="FFFF00"/>
+                </a:highlight>
+              </a:rPr>
+              <a:t>Destacaría </a:t>
+            </a:r>
+            <a:r>
+              <a:rPr lang="es-MX" dirty="0" err="1">
+                <a:highlight>
+                  <a:srgbClr val="FFFF00"/>
+                </a:highlight>
+              </a:rPr>
+              <a:t>tbn</a:t>
+            </a:r>
+            <a:r>
+              <a:rPr lang="es-MX" dirty="0">
+                <a:highlight>
+                  <a:srgbClr val="FFFF00"/>
+                </a:highlight>
+              </a:rPr>
+              <a:t> el alto porcentaje de falsos negativos, que serían los 155, no?</a:t>
+            </a:r>
+          </a:p>
+          <a:p>
+            <a:r>
+              <a:rPr lang="es-MX" dirty="0">
+                <a:highlight>
+                  <a:srgbClr val="FFFF00"/>
+                </a:highlight>
+              </a:rPr>
+              <a:t>Y por otro lado matizaría el hecho de que la cartera y los casos altos de </a:t>
+            </a:r>
+            <a:r>
+              <a:rPr lang="es-MX" dirty="0" err="1">
+                <a:highlight>
+                  <a:srgbClr val="FFFF00"/>
+                </a:highlight>
+              </a:rPr>
+              <a:t>covid</a:t>
+            </a:r>
+            <a:r>
+              <a:rPr lang="es-MX" dirty="0">
+                <a:highlight>
+                  <a:srgbClr val="FFFF00"/>
+                </a:highlight>
+              </a:rPr>
+              <a:t> pueden darse en zonas metropolitanas o por otros factores que podrían estar explicando </a:t>
+            </a:r>
+            <a:r>
+              <a:rPr lang="es-MX" dirty="0" err="1">
+                <a:highlight>
+                  <a:srgbClr val="FFFF00"/>
+                </a:highlight>
+              </a:rPr>
+              <a:t>ambs</a:t>
+            </a:r>
+            <a:r>
+              <a:rPr lang="es-MX" dirty="0">
+                <a:highlight>
+                  <a:srgbClr val="FFFF00"/>
+                </a:highlight>
+              </a:rPr>
+              <a:t> fenómenos.</a:t>
+            </a:r>
+          </a:p>
+          <a:p>
+            <a:endParaRPr lang="es-MX" dirty="0">
+              <a:highlight>
+                <a:srgbClr val="FFFF00"/>
+              </a:highlight>
+            </a:endParaRPr>
+          </a:p>
+          <a:p>
+            <a:r>
+              <a:rPr lang="es-MX" dirty="0">
+                <a:highlight>
+                  <a:srgbClr val="FFFF00"/>
+                </a:highlight>
+              </a:rPr>
+              <a:t>Si quieres nos tomamos unos 10 min y me platicas.</a:t>
+            </a:r>
           </a:p>
         </p:txBody>
       </p:sp>

--- a/Impacto Banca mexicana por Covid.pptx
+++ b/Impacto Banca mexicana por Covid.pptx
@@ -17829,7 +17829,7 @@
                 <a:cs typeface="Montserrat"/>
                 <a:sym typeface="Montserrat"/>
               </a:rPr>
-              <a:t>¿Que ha pasado en los estados y municipios del país?</a:t>
+              <a:t>¿Qué ha pasado en los estados y municipios del país?</a:t>
             </a:r>
             <a:endParaRPr lang="es-MX" sz="2800" b="1" i="1" dirty="0">
               <a:solidFill>
@@ -19054,7 +19054,7 @@
                 <a:cs typeface="Montserrat"/>
                 <a:sym typeface="Montserrat"/>
               </a:rPr>
-              <a:t>¿Que ha pasado en los estados y municipios del país?</a:t>
+              <a:t>¿Qué ha pasado en los estados y municipios del país?</a:t>
             </a:r>
             <a:endParaRPr lang="es-MX" sz="2800" b="1" i="1" dirty="0">
               <a:solidFill>
@@ -20637,19 +20637,7 @@
               <a:rPr lang="es-MX" b="1" dirty="0">
                 <a:latin typeface="Montserrat" panose="020B0604020202020204" charset="0"/>
               </a:rPr>
-              <a:t>Predicción con regresión </a:t>
-            </a:r>
-            <a:r>
-              <a:rPr lang="es-MX" b="1" dirty="0" err="1">
-                <a:latin typeface="Montserrat" panose="020B0604020202020204" charset="0"/>
-              </a:rPr>
-              <a:t>Lógistica</a:t>
-            </a:r>
-            <a:r>
-              <a:rPr lang="es-MX" b="1" dirty="0">
-                <a:latin typeface="Montserrat" panose="020B0604020202020204" charset="0"/>
-              </a:rPr>
-              <a:t> </a:t>
+              <a:t>Predicción con regresión Logística </a:t>
             </a:r>
           </a:p>
           <a:p>
@@ -20707,7 +20695,7 @@
               <a:rPr lang="es-MX" dirty="0">
                 <a:latin typeface="Montserrat" panose="020B0604020202020204" charset="0"/>
               </a:rPr>
-              <a:t>*</a:t>
+              <a:t> (defunciones, casos activos y población)</a:t>
             </a:r>
           </a:p>
         </p:txBody>
@@ -20788,183 +20776,6 @@
           </a:p>
           <a:p>
             <a:endParaRPr lang="es-MX" dirty="0"/>
-          </a:p>
-        </p:txBody>
-      </p:sp>
-      <p:sp>
-        <p:nvSpPr>
-          <p:cNvPr id="28" name="CuadroTexto 27">
-            <a:extLst>
-              <a:ext uri="{FF2B5EF4-FFF2-40B4-BE49-F238E27FC236}">
-                <a16:creationId xmlns:a16="http://schemas.microsoft.com/office/drawing/2014/main" id="{718ADCB7-FAEF-4AF4-9F14-42771CC66D13}"/>
-              </a:ext>
-            </a:extLst>
-          </p:cNvPr>
-          <p:cNvSpPr txBox="1"/>
-          <p:nvPr/>
-        </p:nvSpPr>
-        <p:spPr>
-          <a:xfrm>
-            <a:off x="70308" y="7547465"/>
-            <a:ext cx="8661400" cy="469359"/>
-          </a:xfrm>
-          <a:prstGeom prst="rect">
-            <a:avLst/>
-          </a:prstGeom>
-          <a:noFill/>
-        </p:spPr>
-        <p:txBody>
-          <a:bodyPr wrap="square">
-            <a:spAutoFit/>
-          </a:bodyPr>
-          <a:lstStyle/>
-          <a:p>
-            <a:r>
-              <a:rPr lang="es-MX" sz="1050" dirty="0">
-                <a:solidFill>
-                  <a:schemeClr val="tx1"/>
-                </a:solidFill>
-                <a:latin typeface="Montserrat" panose="020B0604020202020204" charset="0"/>
-              </a:rPr>
-              <a:t>*</a:t>
-            </a:r>
-            <a:r>
-              <a:rPr lang="es-MX" sz="1050" dirty="0">
-                <a:latin typeface="Montserrat" panose="020B0604020202020204" charset="0"/>
-              </a:rPr>
-              <a:t> Defunciones, casos activos y tamaño de la población</a:t>
-            </a:r>
-            <a:endParaRPr lang="es-MX" dirty="0">
-              <a:solidFill>
-                <a:schemeClr val="tx1"/>
-              </a:solidFill>
-            </a:endParaRPr>
-          </a:p>
-          <a:p>
-            <a:endParaRPr lang="es-MX" b="1" dirty="0">
-              <a:solidFill>
-                <a:schemeClr val="tx1"/>
-              </a:solidFill>
-            </a:endParaRPr>
-          </a:p>
-        </p:txBody>
-      </p:sp>
-      <p:sp>
-        <p:nvSpPr>
-          <p:cNvPr id="12" name="CuadroTexto 11">
-            <a:extLst>
-              <a:ext uri="{FF2B5EF4-FFF2-40B4-BE49-F238E27FC236}">
-                <a16:creationId xmlns:a16="http://schemas.microsoft.com/office/drawing/2014/main" id="{E32F3350-B6F9-4873-80DE-54C7C006C7DD}"/>
-              </a:ext>
-            </a:extLst>
-          </p:cNvPr>
-          <p:cNvSpPr txBox="1"/>
-          <p:nvPr/>
-        </p:nvSpPr>
-        <p:spPr>
-          <a:xfrm>
-            <a:off x="2277081" y="8237262"/>
-            <a:ext cx="6315592" cy="1384995"/>
-          </a:xfrm>
-          <a:prstGeom prst="rect">
-            <a:avLst/>
-          </a:prstGeom>
-          <a:solidFill>
-            <a:schemeClr val="accent4">
-              <a:lumMod val="20000"/>
-              <a:lumOff val="80000"/>
-            </a:schemeClr>
-          </a:solidFill>
-        </p:spPr>
-        <p:txBody>
-          <a:bodyPr wrap="square" rtlCol="0">
-            <a:spAutoFit/>
-          </a:bodyPr>
-          <a:lstStyle/>
-          <a:p>
-            <a:r>
-              <a:rPr lang="es-MX" dirty="0">
-                <a:highlight>
-                  <a:srgbClr val="FFFF00"/>
-                </a:highlight>
-              </a:rPr>
-              <a:t>Destacaría </a:t>
-            </a:r>
-            <a:r>
-              <a:rPr lang="es-MX" dirty="0" err="1">
-                <a:highlight>
-                  <a:srgbClr val="FFFF00"/>
-                </a:highlight>
-              </a:rPr>
-              <a:t>tbn</a:t>
-            </a:r>
-            <a:r>
-              <a:rPr lang="es-MX" dirty="0">
-                <a:highlight>
-                  <a:srgbClr val="FFFF00"/>
-                </a:highlight>
-              </a:rPr>
-              <a:t> el alto porcentaje de falsos negativos, que serían los 155, no?</a:t>
-            </a:r>
-          </a:p>
-          <a:p>
-            <a:r>
-              <a:rPr lang="es-MX" dirty="0">
-                <a:highlight>
-                  <a:srgbClr val="FFFF00"/>
-                </a:highlight>
-              </a:rPr>
-              <a:t>Y por otro lado matizaría el hecho de que la cartera y los casos altos de </a:t>
-            </a:r>
-            <a:r>
-              <a:rPr lang="es-MX" dirty="0" err="1">
-                <a:highlight>
-                  <a:srgbClr val="FFFF00"/>
-                </a:highlight>
-              </a:rPr>
-              <a:t>covid</a:t>
-            </a:r>
-            <a:r>
-              <a:rPr lang="es-MX" dirty="0">
-                <a:highlight>
-                  <a:srgbClr val="FFFF00"/>
-                </a:highlight>
-              </a:rPr>
-              <a:t> pueden darse en zonas metropolitanas o por otros factores que podrían estar explicando </a:t>
-            </a:r>
-            <a:r>
-              <a:rPr lang="es-MX" dirty="0" err="1">
-                <a:highlight>
-                  <a:srgbClr val="FFFF00"/>
-                </a:highlight>
-              </a:rPr>
-              <a:t>ambs</a:t>
-            </a:r>
-            <a:r>
-              <a:rPr lang="es-MX" dirty="0">
-                <a:highlight>
-                  <a:srgbClr val="FFFF00"/>
-                </a:highlight>
-              </a:rPr>
-              <a:t> fenómenos.</a:t>
-            </a:r>
-          </a:p>
-          <a:p>
-            <a:endParaRPr lang="es-MX" dirty="0">
-              <a:highlight>
-                <a:srgbClr val="FFFF00"/>
-              </a:highlight>
-            </a:endParaRPr>
-          </a:p>
-          <a:p>
-            <a:r>
-              <a:rPr lang="es-MX" dirty="0">
-                <a:highlight>
-                  <a:srgbClr val="FFFF00"/>
-                </a:highlight>
-              </a:rPr>
-              <a:t>Si quieres nos tomamos unos 10 min y me platicas.</a:t>
-            </a:r>
           </a:p>
         </p:txBody>
       </p:sp>
